--- a/FunctionalJs.pptx
+++ b/FunctionalJs.pptx
@@ -35,6 +35,8 @@
     <p:sldId id="280" r:id="rId32"/>
     <p:sldId id="281" r:id="rId33"/>
     <p:sldId id="282" r:id="rId34"/>
+    <p:sldId id="283" r:id="rId35"/>
+    <p:sldId id="284" r:id="rId36"/>
   </p:sldIdLst>
   <p:sldSz cx="13004800" cy="9753600"/>
   <p:notesSz cx="6858000" cy="9144000"/>
@@ -676,7 +678,7 @@
       </p:grpSpPr>
       <p:sp>
         <p:nvSpPr>
-          <p:cNvPr id="194" name="Shape 194"/>
+          <p:cNvPr id="200" name="Shape 200"/>
           <p:cNvSpPr/>
           <p:nvPr>
             <p:ph type="sldImg"/>
@@ -697,7 +699,7 @@
       </p:sp>
       <p:sp>
         <p:nvSpPr>
-          <p:cNvPr id="195" name="Shape 195"/>
+          <p:cNvPr id="201" name="Shape 201"/>
           <p:cNvSpPr/>
           <p:nvPr>
             <p:ph type="body" sz="quarter" idx="1"/>
@@ -711,20 +713,23 @@
         <p:txBody>
           <a:bodyPr/>
           <a:lstStyle/>
-          <a:p>
-            <a:pPr/>
-            <a:r>
-              <a:t>https://codepen.io/eduromogo/pen/dJRgPM</a:t>
-            </a:r>
-          </a:p>
-          <a:p>
-            <a:pPr/>
-          </a:p>
           <a:p>
             <a:pPr/>
             <a:r>
               <a:rPr u="sng">
                 <a:hlinkClick r:id="rId3" invalidUrl="" action="" tgtFrame="" tooltip="" history="1" highlightClick="0" endSnd="0"/>
+              </a:rPr>
+              <a:t>https://codepen.io/eduromogo/pen/dJRgPM</a:t>
+            </a:r>
+          </a:p>
+          <a:p>
+            <a:pPr/>
+          </a:p>
+          <a:p>
+            <a:pPr/>
+            <a:r>
+              <a:rPr u="sng">
+                <a:hlinkClick r:id="rId4" invalidUrl="" action="" tgtFrame="" tooltip="" history="1" highlightClick="0" endSnd="0"/>
               </a:rPr>
               <a:t>https://codepen.io/eduromogo/pen/rpwqzB</a:t>
             </a:r>
@@ -758,7 +763,7 @@
       </p:grpSpPr>
       <p:sp>
         <p:nvSpPr>
-          <p:cNvPr id="210" name="Shape 210"/>
+          <p:cNvPr id="208" name="Shape 208"/>
           <p:cNvSpPr/>
           <p:nvPr>
             <p:ph type="sldImg"/>
@@ -779,7 +784,7 @@
       </p:sp>
       <p:sp>
         <p:nvSpPr>
-          <p:cNvPr id="211" name="Shape 211"/>
+          <p:cNvPr id="209" name="Shape 209"/>
           <p:cNvSpPr/>
           <p:nvPr>
             <p:ph type="body" sz="quarter" idx="1"/>
@@ -796,7 +801,13 @@
           <a:p>
             <a:pPr/>
             <a:r>
-              <a:t>        El programa crece de manera natural. Cuanto más crece, más rico es su vocabulario y cuanto más rico es su vocabulario, más fácil es seguir extendiéndolo</a:t>
+              <a:t>Example implementation of compose: const compose = (...fns) =&gt; </a:t>
+            </a:r>
+          </a:p>
+          <a:p>
+            <a:pPr/>
+            <a:r>
+              <a:t>fns.reduce((f, g) =&gt; (...args) =&gt; f(g(...args)));</a:t>
             </a:r>
           </a:p>
         </p:txBody>
@@ -828,7 +839,7 @@
       </p:grpSpPr>
       <p:sp>
         <p:nvSpPr>
-          <p:cNvPr id="215" name="Shape 215"/>
+          <p:cNvPr id="218" name="Shape 218"/>
           <p:cNvSpPr/>
           <p:nvPr>
             <p:ph type="sldImg"/>
@@ -849,7 +860,7 @@
       </p:sp>
       <p:sp>
         <p:nvSpPr>
-          <p:cNvPr id="216" name="Shape 216"/>
+          <p:cNvPr id="219" name="Shape 219"/>
           <p:cNvSpPr/>
           <p:nvPr>
             <p:ph type="body" sz="quarter" idx="1"/>
@@ -866,16 +877,7 @@
           <a:p>
             <a:pPr/>
             <a:r>
-              <a:t>If you’re unfamiliar with it and the common patterns associated with it, functional code can also seem a lot more dense, and the related literature can be impenetrable to newcomers</a:t>
-            </a:r>
-          </a:p>
-          <a:p>
-            <a:pPr/>
-          </a:p>
-          <a:p>
-            <a:pPr/>
-            <a:r>
-              <a:t>Nowadays it is unlikely that the bottleneck in any app is the cpu usage, but for certain processor intensive apps where processing large amount of data could be an issue.</a:t>
+              <a:t>        El programa crece de manera natural. Cuanto más crece, más rico es su vocabulario y cuanto más rico es su vocabulario, más fácil es seguir extendiéndolo</a:t>
             </a:r>
           </a:p>
         </p:txBody>
@@ -907,7 +909,7 @@
       </p:grpSpPr>
       <p:sp>
         <p:nvSpPr>
-          <p:cNvPr id="220" name="Shape 220"/>
+          <p:cNvPr id="223" name="Shape 223"/>
           <p:cNvSpPr/>
           <p:nvPr>
             <p:ph type="sldImg"/>
@@ -928,7 +930,86 @@
       </p:sp>
       <p:sp>
         <p:nvSpPr>
-          <p:cNvPr id="221" name="Shape 221"/>
+          <p:cNvPr id="224" name="Shape 224"/>
+          <p:cNvSpPr/>
+          <p:nvPr>
+            <p:ph type="body" sz="quarter" idx="1"/>
+          </p:nvPr>
+        </p:nvSpPr>
+        <p:spPr>
+          <a:prstGeom prst="rect">
+            <a:avLst/>
+          </a:prstGeom>
+        </p:spPr>
+        <p:txBody>
+          <a:bodyPr/>
+          <a:lstStyle/>
+          <a:p>
+            <a:pPr/>
+            <a:r>
+              <a:t>If you’re unfamiliar with it and the common patterns associated with it, functional code can also seem a lot more dense, and the related literature can be impenetrable to newcomers</a:t>
+            </a:r>
+          </a:p>
+          <a:p>
+            <a:pPr/>
+          </a:p>
+          <a:p>
+            <a:pPr/>
+            <a:r>
+              <a:t>Nowadays it is unlikely that the bottleneck in any app is the cpu usage, but for certain processor intensive apps where processing large amount of data could be an issue.</a:t>
+            </a:r>
+          </a:p>
+        </p:txBody>
+      </p:sp>
+    </p:spTree>
+  </p:cSld>
+  <p:clrMapOvr>
+    <a:masterClrMapping/>
+  </p:clrMapOvr>
+</p:notes>
+</file>
+
+<file path=ppt/notesSlides/notesSlide15.xml><?xml version="1.0" encoding="utf-8"?>
+<p:notes xmlns:a="http://schemas.openxmlformats.org/drawingml/2006/main" xmlns:r="http://schemas.openxmlformats.org/officeDocument/2006/relationships" xmlns:p="http://schemas.openxmlformats.org/presentationml/2006/main" showMasterSp="1" showMasterPhAnim="1">
+  <p:cSld>
+    <p:spTree>
+      <p:nvGrpSpPr>
+        <p:cNvPr id="1" name=""/>
+        <p:cNvGrpSpPr/>
+        <p:nvPr/>
+      </p:nvGrpSpPr>
+      <p:grpSpPr>
+        <a:xfrm>
+          <a:off x="0" y="0"/>
+          <a:ext cx="0" cy="0"/>
+          <a:chOff x="0" y="0"/>
+          <a:chExt cx="0" cy="0"/>
+        </a:xfrm>
+      </p:grpSpPr>
+      <p:sp>
+        <p:nvSpPr>
+          <p:cNvPr id="228" name="Shape 228"/>
+          <p:cNvSpPr/>
+          <p:nvPr>
+            <p:ph type="sldImg"/>
+          </p:nvPr>
+        </p:nvSpPr>
+        <p:spPr>
+          <a:prstGeom prst="rect">
+            <a:avLst/>
+          </a:prstGeom>
+        </p:spPr>
+        <p:txBody>
+          <a:bodyPr/>
+          <a:lstStyle/>
+          <a:p>
+            <a:pPr/>
+          </a:p>
+        </p:txBody>
+      </p:sp>
+      <p:sp>
+        <p:nvSpPr>
+          <p:cNvPr id="229" name="Shape 229"/>
           <p:cNvSpPr/>
           <p:nvPr>
             <p:ph type="body" sz="quarter" idx="1"/>
@@ -5051,21 +5132,6 @@
                 <a:cs typeface="Helvetica"/>
                 <a:sym typeface="Helvetica"/>
               </a:rPr>
-              <a:t>Objects</a:t>
-            </a:r>
-            <a:r>
-              <a:t> (prop, assoc, mapKeys, mapValues)</a:t>
-            </a:r>
-          </a:p>
-          <a:p>
-            <a:pPr lvl="8"/>
-            <a:r>
-              <a:rPr b="1">
-                <a:latin typeface="Helvetica"/>
-                <a:ea typeface="Helvetica"/>
-                <a:cs typeface="Helvetica"/>
-                <a:sym typeface="Helvetica"/>
-              </a:rPr>
               <a:t>General</a:t>
             </a:r>
             <a:r>
@@ -5085,6 +5151,21 @@
             </a:r>
             <a:r>
               <a:t> (recursion, compose, pipe)</a:t>
+            </a:r>
+          </a:p>
+          <a:p>
+            <a:pPr lvl="8"/>
+            <a:r>
+              <a:rPr b="1">
+                <a:latin typeface="Helvetica"/>
+                <a:ea typeface="Helvetica"/>
+                <a:cs typeface="Helvetica"/>
+                <a:sym typeface="Helvetica"/>
+              </a:rPr>
+              <a:t>Objects</a:t>
+            </a:r>
+            <a:r>
+              <a:t> (prop, assoc, mapKeys, mapValues)</a:t>
             </a:r>
           </a:p>
         </p:txBody>
@@ -5117,7 +5198,7 @@
       </p:grpSpPr>
       <p:sp>
         <p:nvSpPr>
-          <p:cNvPr id="192" name="Some Code"/>
+          <p:cNvPr id="192" name="Fundamental Operations"/>
           <p:cNvSpPr/>
           <p:nvPr>
             <p:ph type="title"/>
@@ -5138,21 +5219,21 @@
           <a:p>
             <a:pPr/>
             <a:r>
-              <a:t>Some Code</a:t>
-            </a:r>
-          </a:p>
-        </p:txBody>
-      </p:sp>
-      <p:sp>
-        <p:nvSpPr>
-          <p:cNvPr id="193" name="[1, 2, 3].map(n =&gt; 2 * n) // [2, 4, 6]…"/>
+              <a:t>Fundamental Operations</a:t>
+            </a:r>
+          </a:p>
+        </p:txBody>
+      </p:sp>
+      <p:sp>
+        <p:nvSpPr>
+          <p:cNvPr id="193" name="Partial…"/>
           <p:cNvSpPr/>
           <p:nvPr/>
         </p:nvSpPr>
         <p:spPr>
           <a:xfrm>
-            <a:off x="1374962" y="4006849"/>
-            <a:ext cx="9482086" cy="1739901"/>
+            <a:off x="-343200" y="3147643"/>
+            <a:ext cx="12846423" cy="6108701"/>
           </a:xfrm>
           <a:prstGeom prst="rect">
             <a:avLst/>
@@ -5172,9 +5253,32 @@
           </a:bodyPr>
           <a:lstStyle/>
           <a:p>
+            <a:pPr lvl="8">
+              <a:defRPr b="1">
+                <a:latin typeface="Helvetica"/>
+                <a:ea typeface="Helvetica"/>
+                <a:cs typeface="Helvetica"/>
+                <a:sym typeface="Helvetica"/>
+              </a:defRPr>
+            </a:pPr>
+            <a:r>
+              <a:t>Partial</a:t>
+            </a:r>
+          </a:p>
+          <a:p>
+            <a:pPr lvl="8">
+              <a:defRPr b="1">
+                <a:latin typeface="Helvetica"/>
+                <a:ea typeface="Helvetica"/>
+                <a:cs typeface="Helvetica"/>
+                <a:sym typeface="Helvetica"/>
+              </a:defRPr>
+            </a:pPr>
+          </a:p>
+          <a:p>
             <a:pPr lvl="8"/>
             <a:r>
-              <a:t>[1, 2, 3].map(n =&gt; 2 * n) // [2, 4, 6]</a:t>
+              <a:t>Partial is used to apply partially a function. Example:</a:t>
             </a:r>
           </a:p>
           <a:p>
@@ -5183,7 +5287,31 @@
           <a:p>
             <a:pPr lvl="8"/>
             <a:r>
-              <a:t>[1, 2, 3].filter(n =&gt; n &gt; 2) // [3]</a:t>
+              <a:t>const sum = (a, b) =&gt; a + b;</a:t>
+            </a:r>
+          </a:p>
+          <a:p>
+            <a:pPr lvl="8"/>
+            <a:r>
+              <a:t>const sum3 = partial(sum, 3);</a:t>
+            </a:r>
+          </a:p>
+          <a:p>
+            <a:pPr lvl="8"/>
+          </a:p>
+          <a:p>
+            <a:pPr lvl="8"/>
+            <a:r>
+              <a:t>partial returns a new function that expects the rest of the params of the original function. i.e:</a:t>
+            </a:r>
+          </a:p>
+          <a:p>
+            <a:pPr lvl="8"/>
+          </a:p>
+          <a:p>
+            <a:pPr lvl="8"/>
+            <a:r>
+              <a:t>sum3 = a =&gt; a + 3; </a:t>
             </a:r>
           </a:p>
         </p:txBody>
@@ -5312,7 +5440,7 @@
       </p:grpSpPr>
       <p:sp>
         <p:nvSpPr>
-          <p:cNvPr id="197" name="Some Code"/>
+          <p:cNvPr id="195" name="Fundamental Operations"/>
           <p:cNvSpPr/>
           <p:nvPr>
             <p:ph type="title"/>
@@ -5333,21 +5461,21 @@
           <a:p>
             <a:pPr/>
             <a:r>
-              <a:t>Some Code</a:t>
-            </a:r>
-          </a:p>
-        </p:txBody>
-      </p:sp>
-      <p:sp>
-        <p:nvSpPr>
-          <p:cNvPr id="198" name="[1, 2, 3].reduce(…"/>
+              <a:t>Fundamental Operations</a:t>
+            </a:r>
+          </a:p>
+        </p:txBody>
+      </p:sp>
+      <p:sp>
+        <p:nvSpPr>
+          <p:cNvPr id="196" name="Curry…"/>
           <p:cNvSpPr/>
           <p:nvPr/>
         </p:nvSpPr>
         <p:spPr>
           <a:xfrm>
-            <a:off x="-13433" y="3733800"/>
-            <a:ext cx="12777666" cy="2286001"/>
+            <a:off x="-343200" y="3147643"/>
+            <a:ext cx="12846423" cy="6108701"/>
           </a:xfrm>
           <a:prstGeom prst="rect">
             <a:avLst/>
@@ -5367,27 +5495,68 @@
           </a:bodyPr>
           <a:lstStyle/>
           <a:p>
+            <a:pPr lvl="8">
+              <a:defRPr b="1">
+                <a:latin typeface="Helvetica"/>
+                <a:ea typeface="Helvetica"/>
+                <a:cs typeface="Helvetica"/>
+                <a:sym typeface="Helvetica"/>
+              </a:defRPr>
+            </a:pPr>
+            <a:r>
+              <a:t>Curry</a:t>
+            </a:r>
+          </a:p>
+          <a:p>
+            <a:pPr lvl="8">
+              <a:defRPr b="1">
+                <a:latin typeface="Helvetica"/>
+                <a:ea typeface="Helvetica"/>
+                <a:cs typeface="Helvetica"/>
+                <a:sym typeface="Helvetica"/>
+              </a:defRPr>
+            </a:pPr>
+          </a:p>
+          <a:p>
             <a:pPr lvl="8"/>
             <a:r>
-              <a:t>[1, 2, 3].reduce(</a:t>
+              <a:t>It is similar to partial</a:t>
             </a:r>
           </a:p>
           <a:p>
             <a:pPr lvl="8"/>
-            <a:r>
-              <a:t>   (acc, nextItem, index, array) =&gt; acc + nextItem, </a:t>
-            </a:r>
           </a:p>
           <a:p>
             <a:pPr lvl="8"/>
             <a:r>
-              <a:t>   0</a:t>
+              <a:t>const sum = (a, b) =&gt; a + b;</a:t>
             </a:r>
           </a:p>
           <a:p>
             <a:pPr lvl="8"/>
             <a:r>
-              <a:t>) //  6</a:t>
+              <a:t>const csum = currify(sum);</a:t>
+            </a:r>
+          </a:p>
+          <a:p>
+            <a:pPr lvl="8"/>
+            <a:r>
+              <a:t>const sum3 = csum(3);</a:t>
+            </a:r>
+          </a:p>
+          <a:p>
+            <a:pPr lvl="8"/>
+            <a:r>
+              <a:t>sum3(7) // 10 </a:t>
+            </a:r>
+          </a:p>
+          <a:p>
+            <a:pPr lvl="8"/>
+          </a:p>
+          <a:p>
+            <a:pPr lvl="8"/>
+            <a:r>
+              <a:t>It returns a function each time it is invoked unless all the params of the function has been received.</a:t>
             </a:r>
           </a:p>
         </p:txBody>
@@ -5420,7 +5589,7 @@
       </p:grpSpPr>
       <p:sp>
         <p:nvSpPr>
-          <p:cNvPr id="200" name="Some Code"/>
+          <p:cNvPr id="198" name="Some Code"/>
           <p:cNvSpPr/>
           <p:nvPr>
             <p:ph type="title"/>
@@ -5448,14 +5617,14 @@
       </p:sp>
       <p:sp>
         <p:nvSpPr>
-          <p:cNvPr id="201" name="const sum3 = n =&gt; n + 3;…"/>
+          <p:cNvPr id="199" name="[1, 2, 3].map(n =&gt; 2 * n) // [2, 4, 6]…"/>
           <p:cNvSpPr/>
           <p:nvPr/>
         </p:nvSpPr>
         <p:spPr>
           <a:xfrm>
-            <a:off x="-262520" y="2641600"/>
-            <a:ext cx="12419453" cy="4470401"/>
+            <a:off x="1374962" y="4006849"/>
+            <a:ext cx="9482086" cy="1739901"/>
           </a:xfrm>
           <a:prstGeom prst="rect">
             <a:avLst/>
@@ -5477,43 +5646,16 @@
           <a:p>
             <a:pPr lvl="8"/>
             <a:r>
-              <a:t>const sum3 = n =&gt; n + 3;</a:t>
+              <a:t>[1, 2, 3].map(n =&gt; 2 * n) // [2, 4, 6]</a:t>
             </a:r>
           </a:p>
           <a:p>
             <a:pPr lvl="8"/>
-            <a:r>
-              <a:t>const half = n =&gt; n/2;</a:t>
-            </a:r>
           </a:p>
           <a:p>
             <a:pPr lvl="8"/>
-          </a:p>
-          <a:p>
-            <a:pPr lvl="8"/>
-            <a:r>
-              <a:t>const sum3Half = compose(half, sum3);</a:t>
-            </a:r>
-          </a:p>
-          <a:p>
-            <a:pPr lvl="8"/>
-            <a:r>
-              <a:t>sum3Half(7) // 5</a:t>
-            </a:r>
-          </a:p>
-          <a:p>
-            <a:pPr lvl="8"/>
-          </a:p>
-          <a:p>
-            <a:pPr lvl="8"/>
-            <a:r>
-              <a:t>const compose = (...fns) =&gt; </a:t>
-            </a:r>
-          </a:p>
-          <a:p>
-            <a:pPr lvl="8"/>
-            <a:r>
-              <a:t>fns.reduce((f, g) =&gt; (...args) =&gt; f(g(...args)));</a:t>
+            <a:r>
+              <a:t>[1, 2, 3].filter(n =&gt; n &gt; 2) // [3]</a:t>
             </a:r>
           </a:p>
         </p:txBody>
@@ -5546,7 +5688,7 @@
       </p:grpSpPr>
       <p:sp>
         <p:nvSpPr>
-          <p:cNvPr id="203" name="Practice!"/>
+          <p:cNvPr id="203" name="Some Code"/>
           <p:cNvSpPr/>
           <p:nvPr>
             <p:ph type="title"/>
@@ -5554,8 +5696,8 @@
         </p:nvSpPr>
         <p:spPr>
           <a:xfrm>
-            <a:off x="1269999" y="3225800"/>
-            <a:ext cx="10464801" cy="3302001"/>
+            <a:off x="1143000" y="76200"/>
+            <a:ext cx="10464800" cy="3302000"/>
           </a:xfrm>
           <a:prstGeom prst="rect">
             <a:avLst/>
@@ -5567,7 +5709,61 @@
           <a:p>
             <a:pPr/>
             <a:r>
-              <a:t>Practice!</a:t>
+              <a:t>Some Code</a:t>
+            </a:r>
+          </a:p>
+        </p:txBody>
+      </p:sp>
+      <p:sp>
+        <p:nvSpPr>
+          <p:cNvPr id="204" name="[1, 2, 3].reduce(…"/>
+          <p:cNvSpPr/>
+          <p:nvPr/>
+        </p:nvSpPr>
+        <p:spPr>
+          <a:xfrm>
+            <a:off x="-13433" y="3733800"/>
+            <a:ext cx="12777666" cy="2286001"/>
+          </a:xfrm>
+          <a:prstGeom prst="rect">
+            <a:avLst/>
+          </a:prstGeom>
+          <a:ln w="12700">
+            <a:miter lim="400000"/>
+          </a:ln>
+          <a:extLst>
+            <a:ext uri="{C572A759-6A51-4108-AA02-DFA0A04FC94B}">
+              <ma14:wrappingTextBoxFlag xmlns:ma14="http://schemas.microsoft.com/office/mac/drawingml/2011/main" val="1"/>
+            </a:ext>
+          </a:extLst>
+        </p:spPr>
+        <p:txBody>
+          <a:bodyPr lIns="50800" tIns="50800" rIns="50800" bIns="50800" anchor="ctr">
+            <a:spAutoFit/>
+          </a:bodyPr>
+          <a:lstStyle/>
+          <a:p>
+            <a:pPr lvl="8"/>
+            <a:r>
+              <a:t>[1, 2, 3].reduce(</a:t>
+            </a:r>
+          </a:p>
+          <a:p>
+            <a:pPr lvl="8"/>
+            <a:r>
+              <a:t>   (acc, nextItem, index, array) =&gt; acc + nextItem, </a:t>
+            </a:r>
+          </a:p>
+          <a:p>
+            <a:pPr lvl="8"/>
+            <a:r>
+              <a:t>   0</a:t>
+            </a:r>
+          </a:p>
+          <a:p>
+            <a:pPr lvl="8"/>
+            <a:r>
+              <a:t>) //  6</a:t>
             </a:r>
           </a:p>
         </p:txBody>
@@ -5600,7 +5796,7 @@
       </p:grpSpPr>
       <p:sp>
         <p:nvSpPr>
-          <p:cNvPr id="205" name="Pros"/>
+          <p:cNvPr id="206" name="Some Code"/>
           <p:cNvSpPr/>
           <p:nvPr>
             <p:ph type="title"/>
@@ -5621,21 +5817,21 @@
           <a:p>
             <a:pPr/>
             <a:r>
-              <a:t>Pros</a:t>
-            </a:r>
-          </a:p>
-        </p:txBody>
-      </p:sp>
-      <p:sp>
-        <p:nvSpPr>
-          <p:cNvPr id="206" name="Given that functional code is expressed declaratively and stateless, compared to object oriented or imperative code:…"/>
+              <a:t>Some Code</a:t>
+            </a:r>
+          </a:p>
+        </p:txBody>
+      </p:sp>
+      <p:sp>
+        <p:nvSpPr>
+          <p:cNvPr id="207" name="const sum3 = n =&gt; n + 3;…"/>
           <p:cNvSpPr/>
           <p:nvPr/>
         </p:nvSpPr>
         <p:spPr>
           <a:xfrm>
-            <a:off x="298496" y="3214437"/>
-            <a:ext cx="12153808" cy="5016501"/>
+            <a:off x="165674" y="3497534"/>
+            <a:ext cx="12419453" cy="3924301"/>
           </a:xfrm>
           <a:prstGeom prst="rect">
             <a:avLst/>
@@ -5657,35 +5853,32 @@
           <a:p>
             <a:pPr lvl="8"/>
             <a:r>
-              <a:t>Given that functional code is expressed declaratively and stateless, compared to object oriented or imperative code:</a:t>
+              <a:t>const sum3 = n =&gt; n + 3;</a:t>
             </a:r>
           </a:p>
           <a:p>
             <a:pPr lvl="8"/>
+            <a:r>
+              <a:t>const half = n =&gt; n/2;</a:t>
+            </a:r>
           </a:p>
           <a:p>
             <a:pPr lvl="8"/>
-            <a:r>
-              <a:t>- It is more concise</a:t>
-            </a:r>
           </a:p>
           <a:p>
             <a:pPr lvl="8"/>
             <a:r>
-              <a:t>- Any section of the code can be understood and tested in isolation</a:t>
+              <a:t>const sum3Half = compose(half, sum3);</a:t>
             </a:r>
           </a:p>
           <a:p>
             <a:pPr lvl="8"/>
             <a:r>
-              <a:t>- Code flow is easier to follow</a:t>
+              <a:t>sum3Half(7) // 5</a:t>
             </a:r>
           </a:p>
           <a:p>
             <a:pPr lvl="8"/>
-            <a:r>
-              <a:t>- Program behaviour is easier to predict</a:t>
-            </a:r>
           </a:p>
         </p:txBody>
       </p:sp>
@@ -5717,17 +5910,13 @@
       </p:grpSpPr>
       <p:sp>
         <p:nvSpPr>
-          <p:cNvPr id="208" name="Pros"/>
+          <p:cNvPr id="211" name="Practice!"/>
           <p:cNvSpPr/>
           <p:nvPr>
             <p:ph type="title"/>
           </p:nvPr>
         </p:nvSpPr>
         <p:spPr>
-          <a:xfrm>
-            <a:off x="1143000" y="76200"/>
-            <a:ext cx="10464800" cy="3302000"/>
-          </a:xfrm>
           <a:prstGeom prst="rect">
             <a:avLst/>
           </a:prstGeom>
@@ -5738,43 +5927,7 @@
           <a:p>
             <a:pPr/>
             <a:r>
-              <a:t>Pros</a:t>
-            </a:r>
-          </a:p>
-        </p:txBody>
-      </p:sp>
-      <p:sp>
-        <p:nvSpPr>
-          <p:cNvPr id="209" name="Given that functional code is based on function composition, and that the operations can be used for more data types it encourages code reutilization"/>
-          <p:cNvSpPr/>
-          <p:nvPr/>
-        </p:nvSpPr>
-        <p:spPr>
-          <a:xfrm>
-            <a:off x="298496" y="3733800"/>
-            <a:ext cx="12153808" cy="2286001"/>
-          </a:xfrm>
-          <a:prstGeom prst="rect">
-            <a:avLst/>
-          </a:prstGeom>
-          <a:ln w="12700">
-            <a:miter lim="400000"/>
-          </a:ln>
-          <a:extLst>
-            <a:ext uri="{C572A759-6A51-4108-AA02-DFA0A04FC94B}">
-              <ma14:wrappingTextBoxFlag xmlns:ma14="http://schemas.microsoft.com/office/mac/drawingml/2011/main" val="1"/>
-            </a:ext>
-          </a:extLst>
-        </p:spPr>
-        <p:txBody>
-          <a:bodyPr lIns="50800" tIns="50800" rIns="50800" bIns="50800" anchor="ctr">
-            <a:spAutoFit/>
-          </a:bodyPr>
-          <a:lstStyle/>
-          <a:p>
-            <a:pPr lvl="8"/>
-            <a:r>
-              <a:t>Given that functional code is based on function composition, and that the operations can be used for more data types it encourages code reutilization</a:t>
+              <a:t>Practice!</a:t>
             </a:r>
           </a:p>
         </p:txBody>
@@ -5807,7 +5960,7 @@
       </p:grpSpPr>
       <p:sp>
         <p:nvSpPr>
-          <p:cNvPr id="213" name="Cons"/>
+          <p:cNvPr id="213" name="Pros"/>
           <p:cNvSpPr/>
           <p:nvPr>
             <p:ph type="title"/>
@@ -5828,21 +5981,21 @@
           <a:p>
             <a:pPr/>
             <a:r>
-              <a:t>Cons</a:t>
-            </a:r>
-          </a:p>
-        </p:txBody>
-      </p:sp>
-      <p:sp>
-        <p:nvSpPr>
-          <p:cNvPr id="214" name="- It is more difficult to learn…"/>
+              <a:t>Pros</a:t>
+            </a:r>
+          </a:p>
+        </p:txBody>
+      </p:sp>
+      <p:sp>
+        <p:nvSpPr>
+          <p:cNvPr id="214" name="Given that functional code is expressed declaratively and stateless, compared to object oriented or imperative code:…"/>
           <p:cNvSpPr/>
           <p:nvPr/>
         </p:nvSpPr>
         <p:spPr>
           <a:xfrm>
-            <a:off x="1043707" y="3733800"/>
-            <a:ext cx="11190549" cy="2286001"/>
+            <a:off x="298496" y="3214437"/>
+            <a:ext cx="12153808" cy="5016501"/>
           </a:xfrm>
           <a:prstGeom prst="rect">
             <a:avLst/>
@@ -5864,13 +6017,34 @@
           <a:p>
             <a:pPr lvl="8"/>
             <a:r>
-              <a:t>- It is more difficult to learn</a:t>
+              <a:t>Given that functional code is expressed declaratively and stateless, compared to object oriented or imperative code:</a:t>
             </a:r>
           </a:p>
           <a:p>
             <a:pPr lvl="8"/>
-            <a:r>
-              <a:t>- Traversing data structures multiple times could have a negative impact on performance</a:t>
+          </a:p>
+          <a:p>
+            <a:pPr lvl="8"/>
+            <a:r>
+              <a:t>- It is more concise</a:t>
+            </a:r>
+          </a:p>
+          <a:p>
+            <a:pPr lvl="8"/>
+            <a:r>
+              <a:t>- Any section of the code can be understood and tested in isolation</a:t>
+            </a:r>
+          </a:p>
+          <a:p>
+            <a:pPr lvl="8"/>
+            <a:r>
+              <a:t>- Code flow is easier to follow</a:t>
+            </a:r>
+          </a:p>
+          <a:p>
+            <a:pPr lvl="8"/>
+            <a:r>
+              <a:t>- Program behaviour is easier to predict</a:t>
             </a:r>
           </a:p>
         </p:txBody>
@@ -5903,7 +6077,7 @@
       </p:grpSpPr>
       <p:sp>
         <p:nvSpPr>
-          <p:cNvPr id="218" name="Advanced Topics"/>
+          <p:cNvPr id="216" name="Pros"/>
           <p:cNvSpPr/>
           <p:nvPr>
             <p:ph type="title"/>
@@ -5911,8 +6085,8 @@
         </p:nvSpPr>
         <p:spPr>
           <a:xfrm>
-            <a:off x="1269999" y="-325983"/>
-            <a:ext cx="10464801" cy="3302001"/>
+            <a:off x="1143000" y="76200"/>
+            <a:ext cx="10464800" cy="3302000"/>
           </a:xfrm>
           <a:prstGeom prst="rect">
             <a:avLst/>
@@ -5924,21 +6098,21 @@
           <a:p>
             <a:pPr/>
             <a:r>
-              <a:t>Advanced Topics</a:t>
-            </a:r>
-          </a:p>
-        </p:txBody>
-      </p:sp>
-      <p:sp>
-        <p:nvSpPr>
-          <p:cNvPr id="219" name="Monads…"/>
+              <a:t>Pros</a:t>
+            </a:r>
+          </a:p>
+        </p:txBody>
+      </p:sp>
+      <p:sp>
+        <p:nvSpPr>
+          <p:cNvPr id="217" name="Given that functional code is based on function composition, and that the operations can be used for more data types it encourages code reuse"/>
           <p:cNvSpPr/>
           <p:nvPr/>
         </p:nvSpPr>
         <p:spPr>
           <a:xfrm>
-            <a:off x="1043707" y="4006849"/>
-            <a:ext cx="11190549" cy="1739901"/>
+            <a:off x="298496" y="4006849"/>
+            <a:ext cx="12153808" cy="1739901"/>
           </a:xfrm>
           <a:prstGeom prst="rect">
             <a:avLst/>
@@ -5958,30 +6132,9 @@
           </a:bodyPr>
           <a:lstStyle/>
           <a:p>
-            <a:pPr lvl="8" marL="3977105" indent="-421105">
-              <a:buSzPct val="75000"/>
-              <a:buChar char="-"/>
-            </a:pPr>
-            <a:r>
-              <a:t>Monads</a:t>
-            </a:r>
-          </a:p>
-          <a:p>
-            <a:pPr lvl="8" marL="3977105" indent="-421105">
-              <a:buSzPct val="75000"/>
-              <a:buChar char="-"/>
-            </a:pPr>
-            <a:r>
-              <a:t>Functors</a:t>
-            </a:r>
-          </a:p>
-          <a:p>
-            <a:pPr lvl="8" marL="3977105" indent="-421105">
-              <a:buSzPct val="75000"/>
-              <a:buChar char="-"/>
-            </a:pPr>
-            <a:r>
-              <a:t>Real curryfing</a:t>
+            <a:pPr lvl="8"/>
+            <a:r>
+              <a:t>Given that functional code is based on function composition, and that the operations can be used for more data types it encourages code reuse</a:t>
             </a:r>
           </a:p>
         </p:txBody>
@@ -6014,13 +6167,17 @@
       </p:grpSpPr>
       <p:sp>
         <p:nvSpPr>
-          <p:cNvPr id="223" name="You made it!"/>
+          <p:cNvPr id="221" name="Cons"/>
           <p:cNvSpPr/>
           <p:nvPr>
             <p:ph type="title"/>
           </p:nvPr>
         </p:nvSpPr>
         <p:spPr>
+          <a:xfrm>
+            <a:off x="1143000" y="76200"/>
+            <a:ext cx="10464800" cy="3302000"/>
+          </a:xfrm>
           <a:prstGeom prst="rect">
             <a:avLst/>
           </a:prstGeom>
@@ -6031,7 +6188,210 @@
           <a:p>
             <a:pPr/>
             <a:r>
-              <a:t>You made it!</a:t>
+              <a:t>Cons</a:t>
+            </a:r>
+          </a:p>
+        </p:txBody>
+      </p:sp>
+      <p:sp>
+        <p:nvSpPr>
+          <p:cNvPr id="222" name="- It is more difficult to learn…"/>
+          <p:cNvSpPr/>
+          <p:nvPr/>
+        </p:nvSpPr>
+        <p:spPr>
+          <a:xfrm>
+            <a:off x="1043707" y="3733800"/>
+            <a:ext cx="11190549" cy="2286001"/>
+          </a:xfrm>
+          <a:prstGeom prst="rect">
+            <a:avLst/>
+          </a:prstGeom>
+          <a:ln w="12700">
+            <a:miter lim="400000"/>
+          </a:ln>
+          <a:extLst>
+            <a:ext uri="{C572A759-6A51-4108-AA02-DFA0A04FC94B}">
+              <ma14:wrappingTextBoxFlag xmlns:ma14="http://schemas.microsoft.com/office/mac/drawingml/2011/main" val="1"/>
+            </a:ext>
+          </a:extLst>
+        </p:spPr>
+        <p:txBody>
+          <a:bodyPr lIns="50800" tIns="50800" rIns="50800" bIns="50800" anchor="ctr">
+            <a:spAutoFit/>
+          </a:bodyPr>
+          <a:lstStyle/>
+          <a:p>
+            <a:pPr lvl="8"/>
+            <a:r>
+              <a:t>- It is more difficult to learn</a:t>
+            </a:r>
+          </a:p>
+          <a:p>
+            <a:pPr lvl="8"/>
+            <a:r>
+              <a:t>- Traversing data structures multiple times could have a negative impact on performance</a:t>
+            </a:r>
+          </a:p>
+        </p:txBody>
+      </p:sp>
+    </p:spTree>
+  </p:cSld>
+  <p:clrMapOvr>
+    <a:masterClrMapping/>
+  </p:clrMapOvr>
+  <p:transition xmlns:p14="http://schemas.microsoft.com/office/powerpoint/2010/main" spd="med" advClick="1"/>
+</p:sld>
+</file>
+
+<file path=ppt/slides/slide28.xml><?xml version="1.0" encoding="utf-8"?>
+<p:sld xmlns:a="http://schemas.openxmlformats.org/drawingml/2006/main" xmlns:r="http://schemas.openxmlformats.org/officeDocument/2006/relationships" xmlns:p="http://schemas.openxmlformats.org/presentationml/2006/main" showMasterSp="1" showMasterPhAnim="1">
+  <p:cSld>
+    <p:spTree>
+      <p:nvGrpSpPr>
+        <p:cNvPr id="1" name=""/>
+        <p:cNvGrpSpPr/>
+        <p:nvPr/>
+      </p:nvGrpSpPr>
+      <p:grpSpPr>
+        <a:xfrm>
+          <a:off x="0" y="0"/>
+          <a:ext cx="0" cy="0"/>
+          <a:chOff x="0" y="0"/>
+          <a:chExt cx="0" cy="0"/>
+        </a:xfrm>
+      </p:grpSpPr>
+      <p:sp>
+        <p:nvSpPr>
+          <p:cNvPr id="226" name="Advanced Topics"/>
+          <p:cNvSpPr/>
+          <p:nvPr>
+            <p:ph type="title"/>
+          </p:nvPr>
+        </p:nvSpPr>
+        <p:spPr>
+          <a:xfrm>
+            <a:off x="1270000" y="-325983"/>
+            <a:ext cx="10464800" cy="3302001"/>
+          </a:xfrm>
+          <a:prstGeom prst="rect">
+            <a:avLst/>
+          </a:prstGeom>
+        </p:spPr>
+        <p:txBody>
+          <a:bodyPr/>
+          <a:lstStyle/>
+          <a:p>
+            <a:pPr/>
+            <a:r>
+              <a:t>Advanced Topics</a:t>
+            </a:r>
+          </a:p>
+        </p:txBody>
+      </p:sp>
+      <p:sp>
+        <p:nvSpPr>
+          <p:cNvPr id="227" name="Monads…"/>
+          <p:cNvSpPr/>
+          <p:nvPr/>
+        </p:nvSpPr>
+        <p:spPr>
+          <a:xfrm>
+            <a:off x="1043707" y="4006849"/>
+            <a:ext cx="11190549" cy="1739901"/>
+          </a:xfrm>
+          <a:prstGeom prst="rect">
+            <a:avLst/>
+          </a:prstGeom>
+          <a:ln w="12700">
+            <a:miter lim="400000"/>
+          </a:ln>
+          <a:extLst>
+            <a:ext uri="{C572A759-6A51-4108-AA02-DFA0A04FC94B}">
+              <ma14:wrappingTextBoxFlag xmlns:ma14="http://schemas.microsoft.com/office/mac/drawingml/2011/main" val="1"/>
+            </a:ext>
+          </a:extLst>
+        </p:spPr>
+        <p:txBody>
+          <a:bodyPr lIns="50800" tIns="50800" rIns="50800" bIns="50800" anchor="ctr">
+            <a:spAutoFit/>
+          </a:bodyPr>
+          <a:lstStyle/>
+          <a:p>
+            <a:pPr lvl="8" marL="3977105" indent="-421105">
+              <a:buSzPct val="75000"/>
+              <a:buChar char="-"/>
+            </a:pPr>
+            <a:r>
+              <a:t>Monads</a:t>
+            </a:r>
+          </a:p>
+          <a:p>
+            <a:pPr lvl="8" marL="3977105" indent="-421105">
+              <a:buSzPct val="75000"/>
+              <a:buChar char="-"/>
+            </a:pPr>
+            <a:r>
+              <a:t>Functors</a:t>
+            </a:r>
+          </a:p>
+          <a:p>
+            <a:pPr lvl="8" marL="3977105" indent="-421105">
+              <a:buSzPct val="75000"/>
+              <a:buChar char="-"/>
+            </a:pPr>
+            <a:r>
+              <a:t>Real curryfing</a:t>
+            </a:r>
+          </a:p>
+        </p:txBody>
+      </p:sp>
+    </p:spTree>
+  </p:cSld>
+  <p:clrMapOvr>
+    <a:masterClrMapping/>
+  </p:clrMapOvr>
+  <p:transition xmlns:p14="http://schemas.microsoft.com/office/powerpoint/2010/main" spd="med" advClick="1"/>
+</p:sld>
+</file>
+
+<file path=ppt/slides/slide29.xml><?xml version="1.0" encoding="utf-8"?>
+<p:sld xmlns:a="http://schemas.openxmlformats.org/drawingml/2006/main" xmlns:r="http://schemas.openxmlformats.org/officeDocument/2006/relationships" xmlns:p="http://schemas.openxmlformats.org/presentationml/2006/main" showMasterSp="1" showMasterPhAnim="1">
+  <p:cSld>
+    <p:spTree>
+      <p:nvGrpSpPr>
+        <p:cNvPr id="1" name=""/>
+        <p:cNvGrpSpPr/>
+        <p:nvPr/>
+      </p:nvGrpSpPr>
+      <p:grpSpPr>
+        <a:xfrm>
+          <a:off x="0" y="0"/>
+          <a:ext cx="0" cy="0"/>
+          <a:chOff x="0" y="0"/>
+          <a:chExt cx="0" cy="0"/>
+        </a:xfrm>
+      </p:grpSpPr>
+      <p:sp>
+        <p:nvSpPr>
+          <p:cNvPr id="231" name="Fin de la cita"/>
+          <p:cNvSpPr/>
+          <p:nvPr>
+            <p:ph type="title"/>
+          </p:nvPr>
+        </p:nvSpPr>
+        <p:spPr>
+          <a:prstGeom prst="rect">
+            <a:avLst/>
+          </a:prstGeom>
+        </p:spPr>
+        <p:txBody>
+          <a:bodyPr/>
+          <a:lstStyle/>
+          <a:p>
+            <a:pPr/>
+            <a:r>
+              <a:t>Fin de la cita</a:t>
             </a:r>
           </a:p>
         </p:txBody>
